--- a/SmartJob - A Dynamic Job Board Application.pptx
+++ b/SmartJob - A Dynamic Job Board Application.pptx
@@ -7,7 +7,7 @@
   <p:sldIdLst>
     <p:sldId id="256" r:id="rId2"/>
     <p:sldId id="257" r:id="rId3"/>
-    <p:sldId id="258" r:id="rId4"/>
+    <p:sldId id="262" r:id="rId4"/>
     <p:sldId id="259" r:id="rId5"/>
     <p:sldId id="261" r:id="rId6"/>
     <p:sldId id="260" r:id="rId7"/>
@@ -109,6 +109,11 @@
       </a:defRPr>
     </a:lvl9pPr>
   </p:defaultTextStyle>
+  <p:extLst>
+    <p:ext uri="{EFAFB233-063F-42B5-8137-9DF3F51BA10A}">
+      <p15:sldGuideLst xmlns:p15="http://schemas.microsoft.com/office/powerpoint/2012/main"/>
+    </p:ext>
+  </p:extLst>
 </p:presentation>
 </file>
 
@@ -297,7 +302,7 @@
           <a:p>
             <a:fld id="{9177D8C2-FC07-45D8-AE04-8ED820EC17FD}" type="datetimeFigureOut">
               <a:rPr lang="en-US" smtClean="0"/>
-              <a:t>4/22/2025</a:t>
+              <a:t>4/23/2025</a:t>
             </a:fld>
             <a:endParaRPr lang="en-US"/>
           </a:p>
@@ -595,7 +600,7 @@
           <a:p>
             <a:fld id="{9177D8C2-FC07-45D8-AE04-8ED820EC17FD}" type="datetimeFigureOut">
               <a:rPr lang="en-US" smtClean="0"/>
-              <a:t>4/22/2025</a:t>
+              <a:t>4/23/2025</a:t>
             </a:fld>
             <a:endParaRPr lang="en-US"/>
           </a:p>
@@ -787,7 +792,7 @@
           <a:p>
             <a:fld id="{9177D8C2-FC07-45D8-AE04-8ED820EC17FD}" type="datetimeFigureOut">
               <a:rPr lang="en-US" smtClean="0"/>
-              <a:t>4/22/2025</a:t>
+              <a:t>4/23/2025</a:t>
             </a:fld>
             <a:endParaRPr lang="en-US"/>
           </a:p>
@@ -1048,7 +1053,7 @@
           <a:p>
             <a:fld id="{9177D8C2-FC07-45D8-AE04-8ED820EC17FD}" type="datetimeFigureOut">
               <a:rPr lang="en-US" smtClean="0"/>
-              <a:t>4/22/2025</a:t>
+              <a:t>4/23/2025</a:t>
             </a:fld>
             <a:endParaRPr lang="en-US"/>
           </a:p>
@@ -1472,7 +1477,7 @@
           <a:p>
             <a:fld id="{9177D8C2-FC07-45D8-AE04-8ED820EC17FD}" type="datetimeFigureOut">
               <a:rPr lang="en-US" smtClean="0"/>
-              <a:t>4/22/2025</a:t>
+              <a:t>4/23/2025</a:t>
             </a:fld>
             <a:endParaRPr lang="en-US"/>
           </a:p>
@@ -2009,7 +2014,7 @@
           <a:p>
             <a:fld id="{9177D8C2-FC07-45D8-AE04-8ED820EC17FD}" type="datetimeFigureOut">
               <a:rPr lang="en-US" smtClean="0"/>
-              <a:t>4/22/2025</a:t>
+              <a:t>4/23/2025</a:t>
             </a:fld>
             <a:endParaRPr lang="en-US"/>
           </a:p>
@@ -2873,7 +2878,7 @@
           <a:p>
             <a:fld id="{9177D8C2-FC07-45D8-AE04-8ED820EC17FD}" type="datetimeFigureOut">
               <a:rPr lang="en-US" smtClean="0"/>
-              <a:t>4/22/2025</a:t>
+              <a:t>4/23/2025</a:t>
             </a:fld>
             <a:endParaRPr lang="en-US"/>
           </a:p>
@@ -3043,7 +3048,7 @@
           <a:p>
             <a:fld id="{9177D8C2-FC07-45D8-AE04-8ED820EC17FD}" type="datetimeFigureOut">
               <a:rPr lang="en-US" smtClean="0"/>
-              <a:t>4/22/2025</a:t>
+              <a:t>4/23/2025</a:t>
             </a:fld>
             <a:endParaRPr lang="en-US"/>
           </a:p>
@@ -3227,7 +3232,7 @@
           <a:p>
             <a:fld id="{9177D8C2-FC07-45D8-AE04-8ED820EC17FD}" type="datetimeFigureOut">
               <a:rPr lang="en-US" smtClean="0"/>
-              <a:t>4/22/2025</a:t>
+              <a:t>4/23/2025</a:t>
             </a:fld>
             <a:endParaRPr lang="en-US"/>
           </a:p>
@@ -3397,7 +3402,7 @@
           <a:p>
             <a:fld id="{9177D8C2-FC07-45D8-AE04-8ED820EC17FD}" type="datetimeFigureOut">
               <a:rPr lang="en-US" smtClean="0"/>
-              <a:t>4/22/2025</a:t>
+              <a:t>4/23/2025</a:t>
             </a:fld>
             <a:endParaRPr lang="en-US"/>
           </a:p>
@@ -3641,7 +3646,7 @@
           <a:p>
             <a:fld id="{9177D8C2-FC07-45D8-AE04-8ED820EC17FD}" type="datetimeFigureOut">
               <a:rPr lang="en-US" smtClean="0"/>
-              <a:t>4/22/2025</a:t>
+              <a:t>4/23/2025</a:t>
             </a:fld>
             <a:endParaRPr lang="en-US"/>
           </a:p>
@@ -3877,7 +3882,7 @@
           <a:p>
             <a:fld id="{9177D8C2-FC07-45D8-AE04-8ED820EC17FD}" type="datetimeFigureOut">
               <a:rPr lang="en-US" smtClean="0"/>
-              <a:t>4/22/2025</a:t>
+              <a:t>4/23/2025</a:t>
             </a:fld>
             <a:endParaRPr lang="en-US"/>
           </a:p>
@@ -4343,7 +4348,7 @@
           <a:p>
             <a:fld id="{9177D8C2-FC07-45D8-AE04-8ED820EC17FD}" type="datetimeFigureOut">
               <a:rPr lang="en-US" smtClean="0"/>
-              <a:t>4/22/2025</a:t>
+              <a:t>4/23/2025</a:t>
             </a:fld>
             <a:endParaRPr lang="en-US"/>
           </a:p>
@@ -4461,7 +4466,7 @@
           <a:p>
             <a:fld id="{9177D8C2-FC07-45D8-AE04-8ED820EC17FD}" type="datetimeFigureOut">
               <a:rPr lang="en-US" smtClean="0"/>
-              <a:t>4/22/2025</a:t>
+              <a:t>4/23/2025</a:t>
             </a:fld>
             <a:endParaRPr lang="en-US"/>
           </a:p>
@@ -4556,7 +4561,7 @@
           <a:p>
             <a:fld id="{9177D8C2-FC07-45D8-AE04-8ED820EC17FD}" type="datetimeFigureOut">
               <a:rPr lang="en-US" smtClean="0"/>
-              <a:t>4/22/2025</a:t>
+              <a:t>4/23/2025</a:t>
             </a:fld>
             <a:endParaRPr lang="en-US"/>
           </a:p>
@@ -4811,7 +4816,7 @@
           <a:p>
             <a:fld id="{9177D8C2-FC07-45D8-AE04-8ED820EC17FD}" type="datetimeFigureOut">
               <a:rPr lang="en-US" smtClean="0"/>
-              <a:t>4/22/2025</a:t>
+              <a:t>4/23/2025</a:t>
             </a:fld>
             <a:endParaRPr lang="en-US"/>
           </a:p>
@@ -5111,7 +5116,7 @@
           <a:p>
             <a:fld id="{9177D8C2-FC07-45D8-AE04-8ED820EC17FD}" type="datetimeFigureOut">
               <a:rPr lang="en-US" smtClean="0"/>
-              <a:t>4/22/2025</a:t>
+              <a:t>4/23/2025</a:t>
             </a:fld>
             <a:endParaRPr lang="en-US"/>
           </a:p>
@@ -5345,7 +5350,7 @@
           <a:p>
             <a:fld id="{9177D8C2-FC07-45D8-AE04-8ED820EC17FD}" type="datetimeFigureOut">
               <a:rPr lang="en-US" smtClean="0"/>
-              <a:t>4/22/2025</a:t>
+              <a:t>4/23/2025</a:t>
             </a:fld>
             <a:endParaRPr lang="en-US"/>
           </a:p>
@@ -6255,12 +6260,12 @@
         <p:spPr>
           <a:xfrm>
             <a:off x="913795" y="1732449"/>
-            <a:ext cx="3078749" cy="3468201"/>
+            <a:ext cx="3268644" cy="3468201"/>
           </a:xfrm>
         </p:spPr>
         <p:txBody>
           <a:bodyPr anchor="t">
-            <a:normAutofit/>
+            <a:normAutofit fontScale="92500" lnSpcReduction="10000"/>
           </a:bodyPr>
           <a:lstStyle/>
           <a:p>
@@ -6348,6 +6353,29 @@
                 <a:latin typeface="-apple-system"/>
               </a:rPr>
               <a:t>: Spring Data JPA</a:t>
+            </a:r>
+          </a:p>
+          <a:p>
+            <a:pPr>
+              <a:spcAft>
+                <a:spcPts val="1200"/>
+              </a:spcAft>
+              <a:buFont typeface="Arial" panose="020B0604020202020204" pitchFamily="34" charset="0"/>
+              <a:buChar char="•"/>
+            </a:pPr>
+            <a:r>
+              <a:rPr lang="en-US" sz="1600" b="1" i="0" dirty="0">
+                <a:effectLst/>
+                <a:latin typeface="-apple-system"/>
+              </a:rPr>
+              <a:t>Database</a:t>
+            </a:r>
+            <a:r>
+              <a:rPr lang="en-US" sz="1600" b="0" i="0" dirty="0">
+                <a:effectLst/>
+                <a:latin typeface="-apple-system"/>
+              </a:rPr>
+              <a:t>: MYSQL hosted on AIVEN</a:t>
             </a:r>
           </a:p>
           <a:p>
@@ -6570,258 +6598,48 @@
           <a:chExt cx="0" cy="0"/>
         </a:xfrm>
       </p:grpSpPr>
-      <p:sp useBgFill="1">
-        <p:nvSpPr>
-          <p:cNvPr id="14" name="Rectangle 13">
+      <p:sp>
+        <p:nvSpPr>
+          <p:cNvPr id="2" name="Title 1">
             <a:extLst>
               <a:ext uri="{FF2B5EF4-FFF2-40B4-BE49-F238E27FC236}">
-                <a16:creationId xmlns:a16="http://schemas.microsoft.com/office/drawing/2014/main" id="{61B2A784-4501-42A8-86DF-DB27DE395089}"/>
-              </a:ext>
-              <a:ext uri="{C183D7F6-B498-43B3-948B-1728B52AA6E4}">
-                <adec:decorative xmlns:adec="http://schemas.microsoft.com/office/drawing/2017/decorative" val="1"/>
+                <a16:creationId xmlns:a16="http://schemas.microsoft.com/office/drawing/2014/main" id="{CE2EBB40-FEFA-D8F2-8C0C-EE93BA26E6AB}"/>
               </a:ext>
             </a:extLst>
           </p:cNvPr>
           <p:cNvSpPr>
-            <a:spLocks noGrp="1" noRot="1" noChangeAspect="1" noMove="1" noResize="1" noEditPoints="1" noAdjustHandles="1" noChangeArrowheads="1" noChangeShapeType="1" noTextEdit="1"/>
-          </p:cNvSpPr>
-          <p:nvPr>
-            <p:extLst>
-              <p:ext uri="{386F3935-93C4-4BCD-93E2-E3B085C9AB24}">
-                <p16:designElem xmlns:p16="http://schemas.microsoft.com/office/powerpoint/2015/main" val="1"/>
-              </p:ext>
-            </p:extLst>
+            <a:spLocks noGrp="1"/>
+          </p:cNvSpPr>
+          <p:nvPr>
+            <p:ph type="title"/>
           </p:nvPr>
         </p:nvSpPr>
         <p:spPr>
           <a:xfrm>
-            <a:off x="0" y="0"/>
-            <a:ext cx="12188256" cy="6858000"/>
+            <a:off x="1489318" y="5624213"/>
+            <a:ext cx="5056507" cy="1066800"/>
           </a:xfrm>
-          <a:prstGeom prst="rect">
-            <a:avLst/>
-          </a:prstGeom>
-          <a:ln>
-            <a:noFill/>
-          </a:ln>
         </p:spPr>
-        <p:style>
-          <a:lnRef idx="2">
-            <a:schemeClr val="accent1">
-              <a:shade val="50000"/>
-            </a:schemeClr>
-          </a:lnRef>
-          <a:fillRef idx="1">
-            <a:schemeClr val="accent1"/>
-          </a:fillRef>
-          <a:effectRef idx="0">
-            <a:schemeClr val="accent1"/>
-          </a:effectRef>
-          <a:fontRef idx="minor">
-            <a:schemeClr val="lt1"/>
-          </a:fontRef>
-        </p:style>
-        <p:txBody>
-          <a:bodyPr rtlCol="0" anchor="ctr"/>
+        <p:txBody>
+          <a:bodyPr>
+            <a:normAutofit/>
+          </a:bodyPr>
           <a:lstStyle/>
           <a:p>
-            <a:pPr algn="ctr"/>
-            <a:endParaRPr lang="en-US"/>
-          </a:p>
-        </p:txBody>
-      </p:sp>
-      <p:sp>
-        <p:nvSpPr>
-          <p:cNvPr id="2" name="Title 1">
+            <a:pPr algn="l"/>
+            <a:r>
+              <a:rPr lang="en-US" sz="3600" dirty="0"/>
+              <a:t>Job Seeker view</a:t>
+            </a:r>
+          </a:p>
+        </p:txBody>
+      </p:sp>
+      <p:pic>
+        <p:nvPicPr>
+          <p:cNvPr id="8" name="Picture 7">
             <a:extLst>
               <a:ext uri="{FF2B5EF4-FFF2-40B4-BE49-F238E27FC236}">
-                <a16:creationId xmlns:a16="http://schemas.microsoft.com/office/drawing/2014/main" id="{7AA26525-C81D-D67B-B560-90F9799473E7}"/>
-              </a:ext>
-            </a:extLst>
-          </p:cNvPr>
-          <p:cNvSpPr>
-            <a:spLocks noGrp="1"/>
-          </p:cNvSpPr>
-          <p:nvPr>
-            <p:ph type="title"/>
-          </p:nvPr>
-        </p:nvSpPr>
-        <p:spPr>
-          <a:xfrm>
-            <a:off x="7528034" y="2978638"/>
-            <a:ext cx="4012196" cy="1560716"/>
-          </a:xfrm>
-        </p:spPr>
-        <p:txBody>
-          <a:bodyPr>
-            <a:normAutofit fontScale="90000"/>
-          </a:bodyPr>
-          <a:lstStyle/>
-          <a:p>
-            <a:r>
-              <a:rPr lang="en-US" dirty="0"/>
-              <a:t>Employer view</a:t>
-            </a:r>
-            <a:br>
-              <a:rPr lang="en-US" dirty="0"/>
-            </a:br>
-            <a:br>
-              <a:rPr lang="en-US" dirty="0"/>
-            </a:br>
-            <a:br>
-              <a:rPr lang="en-US" dirty="0"/>
-            </a:br>
-            <a:br>
-              <a:rPr lang="en-US" dirty="0"/>
-            </a:br>
-            <a:br>
-              <a:rPr lang="en-US" dirty="0"/>
-            </a:br>
-            <a:r>
-              <a:rPr lang="en-US" dirty="0"/>
-              <a:t>Job Seeker view</a:t>
-            </a:r>
-            <a:br>
-              <a:rPr lang="en-US" dirty="0"/>
-            </a:br>
-            <a:endParaRPr lang="en-US" dirty="0"/>
-          </a:p>
-        </p:txBody>
-      </p:sp>
-      <p:sp>
-        <p:nvSpPr>
-          <p:cNvPr id="16" name="Freeform: Shape 15">
-            <a:extLst>
-              <a:ext uri="{FF2B5EF4-FFF2-40B4-BE49-F238E27FC236}">
-                <a16:creationId xmlns:a16="http://schemas.microsoft.com/office/drawing/2014/main" id="{5DCD51DF-47F0-4E43-9A0F-6B18888E09C2}"/>
-              </a:ext>
-              <a:ext uri="{C183D7F6-B498-43B3-948B-1728B52AA6E4}">
-                <adec:decorative xmlns:adec="http://schemas.microsoft.com/office/drawing/2017/decorative" val="1"/>
-              </a:ext>
-            </a:extLst>
-          </p:cNvPr>
-          <p:cNvSpPr>
-            <a:spLocks noGrp="1" noRot="1" noChangeAspect="1" noMove="1" noResize="1" noEditPoints="1" noAdjustHandles="1" noChangeArrowheads="1" noChangeShapeType="1" noTextEdit="1"/>
-          </p:cNvSpPr>
-          <p:nvPr>
-            <p:extLst>
-              <p:ext uri="{386F3935-93C4-4BCD-93E2-E3B085C9AB24}">
-                <p16:designElem xmlns:p16="http://schemas.microsoft.com/office/powerpoint/2015/main" val="1"/>
-              </p:ext>
-            </p:extLst>
-          </p:nvPr>
-        </p:nvSpPr>
-        <p:spPr>
-          <a:xfrm>
-            <a:off x="705498" y="0"/>
-            <a:ext cx="4901184" cy="4032504"/>
-          </a:xfrm>
-          <a:custGeom>
-            <a:avLst/>
-            <a:gdLst>
-              <a:gd name="connsiteX0" fmla="*/ 0 w 4901184"/>
-              <a:gd name="connsiteY0" fmla="*/ 0 h 4032504"/>
-              <a:gd name="connsiteX1" fmla="*/ 4901184 w 4901184"/>
-              <a:gd name="connsiteY1" fmla="*/ 0 h 4032504"/>
-              <a:gd name="connsiteX2" fmla="*/ 4901184 w 4901184"/>
-              <a:gd name="connsiteY2" fmla="*/ 3813911 h 4032504"/>
-              <a:gd name="connsiteX3" fmla="*/ 4682591 w 4901184"/>
-              <a:gd name="connsiteY3" fmla="*/ 4032504 h 4032504"/>
-              <a:gd name="connsiteX4" fmla="*/ 218593 w 4901184"/>
-              <a:gd name="connsiteY4" fmla="*/ 4032504 h 4032504"/>
-              <a:gd name="connsiteX5" fmla="*/ 0 w 4901184"/>
-              <a:gd name="connsiteY5" fmla="*/ 3813911 h 4032504"/>
-            </a:gdLst>
-            <a:ahLst/>
-            <a:cxnLst>
-              <a:cxn ang="0">
-                <a:pos x="connsiteX0" y="connsiteY0"/>
-              </a:cxn>
-              <a:cxn ang="0">
-                <a:pos x="connsiteX1" y="connsiteY1"/>
-              </a:cxn>
-              <a:cxn ang="0">
-                <a:pos x="connsiteX2" y="connsiteY2"/>
-              </a:cxn>
-              <a:cxn ang="0">
-                <a:pos x="connsiteX3" y="connsiteY3"/>
-              </a:cxn>
-              <a:cxn ang="0">
-                <a:pos x="connsiteX4" y="connsiteY4"/>
-              </a:cxn>
-              <a:cxn ang="0">
-                <a:pos x="connsiteX5" y="connsiteY5"/>
-              </a:cxn>
-            </a:cxnLst>
-            <a:rect l="l" t="t" r="r" b="b"/>
-            <a:pathLst>
-              <a:path w="4901184" h="4032504">
-                <a:moveTo>
-                  <a:pt x="0" y="0"/>
-                </a:moveTo>
-                <a:lnTo>
-                  <a:pt x="4901184" y="0"/>
-                </a:lnTo>
-                <a:lnTo>
-                  <a:pt x="4901184" y="3813911"/>
-                </a:lnTo>
-                <a:cubicBezTo>
-                  <a:pt x="4901184" y="3934637"/>
-                  <a:pt x="4803317" y="4032504"/>
-                  <a:pt x="4682591" y="4032504"/>
-                </a:cubicBezTo>
-                <a:lnTo>
-                  <a:pt x="218593" y="4032504"/>
-                </a:lnTo>
-                <a:cubicBezTo>
-                  <a:pt x="97867" y="4032504"/>
-                  <a:pt x="0" y="3934637"/>
-                  <a:pt x="0" y="3813911"/>
-                </a:cubicBezTo>
-                <a:close/>
-              </a:path>
-            </a:pathLst>
-          </a:custGeom>
-          <a:solidFill>
-            <a:schemeClr val="tx2"/>
-          </a:solidFill>
-          <a:ln>
-            <a:noFill/>
-          </a:ln>
-        </p:spPr>
-        <p:style>
-          <a:lnRef idx="2">
-            <a:schemeClr val="accent1">
-              <a:shade val="50000"/>
-            </a:schemeClr>
-          </a:lnRef>
-          <a:fillRef idx="1">
-            <a:schemeClr val="accent1"/>
-          </a:fillRef>
-          <a:effectRef idx="0">
-            <a:schemeClr val="accent1"/>
-          </a:effectRef>
-          <a:fontRef idx="minor">
-            <a:schemeClr val="lt1"/>
-          </a:fontRef>
-        </p:style>
-        <p:txBody>
-          <a:bodyPr wrap="square" rtlCol="0" anchor="ctr">
-            <a:noAutofit/>
-          </a:bodyPr>
-          <a:lstStyle/>
-          <a:p>
-            <a:pPr algn="ctr"/>
-            <a:endParaRPr lang="en-US"/>
-          </a:p>
-        </p:txBody>
-      </p:sp>
-      <p:pic>
-        <p:nvPicPr>
-          <p:cNvPr id="7" name="Picture 6">
-            <a:extLst>
-              <a:ext uri="{FF2B5EF4-FFF2-40B4-BE49-F238E27FC236}">
-                <a16:creationId xmlns:a16="http://schemas.microsoft.com/office/drawing/2014/main" id="{0890E6A7-DC26-E522-4456-3AA995EDE9CA}"/>
+                <a16:creationId xmlns:a16="http://schemas.microsoft.com/office/drawing/2014/main" id="{44D057AC-1045-8B84-5F97-F5FC309B79E6}"/>
               </a:ext>
             </a:extLst>
           </p:cNvPr>
@@ -6832,192 +6650,25 @@
         </p:nvPicPr>
         <p:blipFill>
           <a:blip r:embed="rId3"/>
-          <a:srcRect b="12332"/>
+          <a:srcRect r="772"/>
           <a:stretch/>
         </p:blipFill>
         <p:spPr>
           <a:xfrm>
-            <a:off x="870090" y="-3"/>
-            <a:ext cx="4572000" cy="3867912"/>
+            <a:off x="234390" y="209460"/>
+            <a:ext cx="5700743" cy="5414753"/>
           </a:xfrm>
-          <a:custGeom>
+          <a:prstGeom prst="rect">
             <a:avLst/>
-            <a:gdLst/>
-            <a:ahLst/>
-            <a:cxnLst/>
-            <a:rect l="l" t="t" r="r" b="b"/>
-            <a:pathLst>
-              <a:path w="4572000" h="3867912">
-                <a:moveTo>
-                  <a:pt x="0" y="0"/>
-                </a:moveTo>
-                <a:lnTo>
-                  <a:pt x="4572000" y="0"/>
-                </a:lnTo>
-                <a:lnTo>
-                  <a:pt x="4572000" y="3704966"/>
-                </a:lnTo>
-                <a:cubicBezTo>
-                  <a:pt x="4572000" y="3794959"/>
-                  <a:pt x="4499047" y="3867912"/>
-                  <a:pt x="4409054" y="3867912"/>
-                </a:cubicBezTo>
-                <a:lnTo>
-                  <a:pt x="162946" y="3867912"/>
-                </a:lnTo>
-                <a:cubicBezTo>
-                  <a:pt x="72953" y="3867912"/>
-                  <a:pt x="0" y="3794959"/>
-                  <a:pt x="0" y="3704966"/>
-                </a:cubicBezTo>
-                <a:close/>
-              </a:path>
-            </a:pathLst>
-          </a:custGeom>
+          </a:prstGeom>
         </p:spPr>
       </p:pic>
-      <p:sp>
-        <p:nvSpPr>
-          <p:cNvPr id="25" name="Freeform: Shape 24">
+      <p:pic>
+        <p:nvPicPr>
+          <p:cNvPr id="5" name="Picture 4">
             <a:extLst>
               <a:ext uri="{FF2B5EF4-FFF2-40B4-BE49-F238E27FC236}">
-                <a16:creationId xmlns:a16="http://schemas.microsoft.com/office/drawing/2014/main" id="{767CF198-49C5-4D2A-93C6-A7A4D04B9B35}"/>
-              </a:ext>
-              <a:ext uri="{C183D7F6-B498-43B3-948B-1728B52AA6E4}">
-                <adec:decorative xmlns:adec="http://schemas.microsoft.com/office/drawing/2017/decorative" val="1"/>
-              </a:ext>
-            </a:extLst>
-          </p:cNvPr>
-          <p:cNvSpPr>
-            <a:spLocks noGrp="1" noRot="1" noChangeAspect="1" noMove="1" noResize="1" noEditPoints="1" noAdjustHandles="1" noChangeArrowheads="1" noChangeShapeType="1" noTextEdit="1"/>
-          </p:cNvSpPr>
-          <p:nvPr>
-            <p:extLst>
-              <p:ext uri="{386F3935-93C4-4BCD-93E2-E3B085C9AB24}">
-                <p16:designElem xmlns:p16="http://schemas.microsoft.com/office/powerpoint/2015/main" val="1"/>
-              </p:ext>
-            </p:extLst>
-          </p:nvPr>
-        </p:nvSpPr>
-        <p:spPr>
-          <a:xfrm>
-            <a:off x="705498" y="4241249"/>
-            <a:ext cx="4901184" cy="2616751"/>
-          </a:xfrm>
-          <a:custGeom>
-            <a:avLst/>
-            <a:gdLst>
-              <a:gd name="connsiteX0" fmla="*/ 218593 w 4901184"/>
-              <a:gd name="connsiteY0" fmla="*/ 0 h 2616751"/>
-              <a:gd name="connsiteX1" fmla="*/ 4682591 w 4901184"/>
-              <a:gd name="connsiteY1" fmla="*/ 0 h 2616751"/>
-              <a:gd name="connsiteX2" fmla="*/ 4901184 w 4901184"/>
-              <a:gd name="connsiteY2" fmla="*/ 218593 h 2616751"/>
-              <a:gd name="connsiteX3" fmla="*/ 4901184 w 4901184"/>
-              <a:gd name="connsiteY3" fmla="*/ 2616751 h 2616751"/>
-              <a:gd name="connsiteX4" fmla="*/ 0 w 4901184"/>
-              <a:gd name="connsiteY4" fmla="*/ 2616751 h 2616751"/>
-              <a:gd name="connsiteX5" fmla="*/ 0 w 4901184"/>
-              <a:gd name="connsiteY5" fmla="*/ 218593 h 2616751"/>
-              <a:gd name="connsiteX6" fmla="*/ 218593 w 4901184"/>
-              <a:gd name="connsiteY6" fmla="*/ 0 h 2616751"/>
-            </a:gdLst>
-            <a:ahLst/>
-            <a:cxnLst>
-              <a:cxn ang="0">
-                <a:pos x="connsiteX0" y="connsiteY0"/>
-              </a:cxn>
-              <a:cxn ang="0">
-                <a:pos x="connsiteX1" y="connsiteY1"/>
-              </a:cxn>
-              <a:cxn ang="0">
-                <a:pos x="connsiteX2" y="connsiteY2"/>
-              </a:cxn>
-              <a:cxn ang="0">
-                <a:pos x="connsiteX3" y="connsiteY3"/>
-              </a:cxn>
-              <a:cxn ang="0">
-                <a:pos x="connsiteX4" y="connsiteY4"/>
-              </a:cxn>
-              <a:cxn ang="0">
-                <a:pos x="connsiteX5" y="connsiteY5"/>
-              </a:cxn>
-              <a:cxn ang="0">
-                <a:pos x="connsiteX6" y="connsiteY6"/>
-              </a:cxn>
-            </a:cxnLst>
-            <a:rect l="l" t="t" r="r" b="b"/>
-            <a:pathLst>
-              <a:path w="4901184" h="2616751">
-                <a:moveTo>
-                  <a:pt x="218593" y="0"/>
-                </a:moveTo>
-                <a:lnTo>
-                  <a:pt x="4682591" y="0"/>
-                </a:lnTo>
-                <a:cubicBezTo>
-                  <a:pt x="4803317" y="0"/>
-                  <a:pt x="4901184" y="97867"/>
-                  <a:pt x="4901184" y="218593"/>
-                </a:cubicBezTo>
-                <a:lnTo>
-                  <a:pt x="4901184" y="2616751"/>
-                </a:lnTo>
-                <a:lnTo>
-                  <a:pt x="0" y="2616751"/>
-                </a:lnTo>
-                <a:lnTo>
-                  <a:pt x="0" y="218593"/>
-                </a:lnTo>
-                <a:cubicBezTo>
-                  <a:pt x="0" y="97867"/>
-                  <a:pt x="97867" y="0"/>
-                  <a:pt x="218593" y="0"/>
-                </a:cubicBezTo>
-                <a:close/>
-              </a:path>
-            </a:pathLst>
-          </a:custGeom>
-          <a:solidFill>
-            <a:schemeClr val="tx2"/>
-          </a:solidFill>
-          <a:ln>
-            <a:noFill/>
-          </a:ln>
-        </p:spPr>
-        <p:style>
-          <a:lnRef idx="2">
-            <a:schemeClr val="accent1">
-              <a:shade val="50000"/>
-            </a:schemeClr>
-          </a:lnRef>
-          <a:fillRef idx="1">
-            <a:schemeClr val="accent1"/>
-          </a:fillRef>
-          <a:effectRef idx="0">
-            <a:schemeClr val="accent1"/>
-          </a:effectRef>
-          <a:fontRef idx="minor">
-            <a:schemeClr val="lt1"/>
-          </a:fontRef>
-        </p:style>
-        <p:txBody>
-          <a:bodyPr wrap="square" rtlCol="0" anchor="ctr">
-            <a:noAutofit/>
-          </a:bodyPr>
-          <a:lstStyle/>
-          <a:p>
-            <a:pPr algn="ctr"/>
-            <a:endParaRPr lang="en-US"/>
-          </a:p>
-        </p:txBody>
-      </p:sp>
-      <p:pic>
-        <p:nvPicPr>
-          <p:cNvPr id="5" name="Content Placeholder 4">
-            <a:extLst>
-              <a:ext uri="{FF2B5EF4-FFF2-40B4-BE49-F238E27FC236}">
-                <a16:creationId xmlns:a16="http://schemas.microsoft.com/office/drawing/2014/main" id="{7E2EFF90-DD0F-1618-574F-1E33E6FC255F}"/>
+                <a16:creationId xmlns:a16="http://schemas.microsoft.com/office/drawing/2014/main" id="{67157012-7436-CA64-D283-6E9678696FE9}"/>
               </a:ext>
             </a:extLst>
           </p:cNvPr>
@@ -7028,151 +6679,154 @@
         </p:nvPicPr>
         <p:blipFill>
           <a:blip r:embed="rId4"/>
-          <a:srcRect t="153" b="43832"/>
+          <a:srcRect b="12332"/>
           <a:stretch/>
         </p:blipFill>
         <p:spPr>
           <a:xfrm>
-            <a:off x="870090" y="4405842"/>
-            <a:ext cx="4572000" cy="2452159"/>
+            <a:off x="6029302" y="209459"/>
+            <a:ext cx="6010829" cy="5414753"/>
           </a:xfrm>
-          <a:custGeom>
+          <a:prstGeom prst="rect">
             <a:avLst/>
-            <a:gdLst/>
-            <a:ahLst/>
-            <a:cxnLst/>
-            <a:rect l="l" t="t" r="r" b="b"/>
-            <a:pathLst>
-              <a:path w="4572000" h="2452159">
-                <a:moveTo>
-                  <a:pt x="162946" y="0"/>
-                </a:moveTo>
-                <a:lnTo>
-                  <a:pt x="4409054" y="0"/>
-                </a:lnTo>
-                <a:cubicBezTo>
-                  <a:pt x="4499047" y="0"/>
-                  <a:pt x="4572000" y="72953"/>
-                  <a:pt x="4572000" y="162946"/>
-                </a:cubicBezTo>
-                <a:lnTo>
-                  <a:pt x="4572000" y="2452159"/>
-                </a:lnTo>
-                <a:lnTo>
-                  <a:pt x="0" y="2452159"/>
-                </a:lnTo>
-                <a:lnTo>
-                  <a:pt x="0" y="162946"/>
-                </a:lnTo>
-                <a:cubicBezTo>
-                  <a:pt x="0" y="72953"/>
-                  <a:pt x="72953" y="0"/>
-                  <a:pt x="162946" y="0"/>
-                </a:cubicBezTo>
-                <a:close/>
-              </a:path>
-            </a:pathLst>
-          </a:custGeom>
+          </a:prstGeom>
         </p:spPr>
       </p:pic>
-      <p:cxnSp>
-        <p:nvCxnSpPr>
-          <p:cNvPr id="13" name="Straight Arrow Connector 12">
+      <p:sp>
+        <p:nvSpPr>
+          <p:cNvPr id="11" name="Title 1">
             <a:extLst>
               <a:ext uri="{FF2B5EF4-FFF2-40B4-BE49-F238E27FC236}">
-                <a16:creationId xmlns:a16="http://schemas.microsoft.com/office/drawing/2014/main" id="{757BB9F5-AFD2-8DE2-9638-E659554352FC}"/>
+                <a16:creationId xmlns:a16="http://schemas.microsoft.com/office/drawing/2014/main" id="{7D8B49E1-25ED-97A9-12EB-533FC3945E70}"/>
               </a:ext>
             </a:extLst>
           </p:cNvPr>
-          <p:cNvCxnSpPr>
-            <a:cxnSpLocks/>
-          </p:cNvCxnSpPr>
+          <p:cNvSpPr txBox="1">
+            <a:spLocks/>
+          </p:cNvSpPr>
           <p:nvPr/>
-        </p:nvCxnSpPr>
+        </p:nvSpPr>
         <p:spPr>
           <a:xfrm>
-            <a:off x="5444131" y="2144111"/>
-            <a:ext cx="2370669" cy="0"/>
+            <a:off x="7156518" y="5624213"/>
+            <a:ext cx="5056507" cy="1066800"/>
           </a:xfrm>
-          <a:prstGeom prst="straightConnector1">
+          <a:prstGeom prst="rect">
             <a:avLst/>
           </a:prstGeom>
-          <a:ln w="19050" cap="flat" cmpd="sng" algn="ctr">
-            <a:solidFill>
-              <a:schemeClr val="accent1"/>
-            </a:solidFill>
-            <a:prstDash val="solid"/>
-            <a:round/>
-            <a:headEnd type="none" w="med" len="med"/>
-            <a:tailEnd type="arrow" w="med" len="med"/>
-          </a:ln>
+          <a:effectLst>
+            <a:outerShdw blurRad="25400" dir="17880000">
+              <a:srgbClr val="000000">
+                <a:alpha val="46000"/>
+              </a:srgbClr>
+            </a:outerShdw>
+          </a:effectLst>
         </p:spPr>
-        <p:style>
-          <a:lnRef idx="0">
-            <a:scrgbClr r="0" g="0" b="0"/>
-          </a:lnRef>
-          <a:fillRef idx="0">
-            <a:scrgbClr r="0" g="0" b="0"/>
-          </a:fillRef>
-          <a:effectRef idx="0">
-            <a:scrgbClr r="0" g="0" b="0"/>
-          </a:effectRef>
-          <a:fontRef idx="minor">
-            <a:schemeClr val="tx1"/>
-          </a:fontRef>
-        </p:style>
-      </p:cxnSp>
-      <p:cxnSp>
-        <p:nvCxnSpPr>
-          <p:cNvPr id="24" name="Straight Arrow Connector 23">
-            <a:extLst>
-              <a:ext uri="{FF2B5EF4-FFF2-40B4-BE49-F238E27FC236}">
-                <a16:creationId xmlns:a16="http://schemas.microsoft.com/office/drawing/2014/main" id="{F4266DD3-42C8-F382-F202-A054A3F747C9}"/>
-              </a:ext>
-            </a:extLst>
-          </p:cNvPr>
-          <p:cNvCxnSpPr>
-            <a:cxnSpLocks/>
-          </p:cNvCxnSpPr>
-          <p:nvPr/>
-        </p:nvCxnSpPr>
-        <p:spPr>
-          <a:xfrm>
-            <a:off x="5442090" y="4913586"/>
-            <a:ext cx="2372710" cy="0"/>
-          </a:xfrm>
-          <a:prstGeom prst="straightConnector1">
-            <a:avLst/>
-          </a:prstGeom>
-          <a:ln w="19050" cap="flat" cmpd="sng" algn="ctr">
-            <a:solidFill>
-              <a:schemeClr val="accent1"/>
-            </a:solidFill>
-            <a:prstDash val="solid"/>
-            <a:round/>
-            <a:headEnd type="none" w="med" len="med"/>
-            <a:tailEnd type="arrow" w="med" len="med"/>
-          </a:ln>
-        </p:spPr>
-        <p:style>
-          <a:lnRef idx="0">
-            <a:scrgbClr r="0" g="0" b="0"/>
-          </a:lnRef>
-          <a:fillRef idx="0">
-            <a:scrgbClr r="0" g="0" b="0"/>
-          </a:fillRef>
-          <a:effectRef idx="0">
-            <a:scrgbClr r="0" g="0" b="0"/>
-          </a:effectRef>
-          <a:fontRef idx="minor">
-            <a:schemeClr val="tx1"/>
-          </a:fontRef>
-        </p:style>
-      </p:cxnSp>
+        <p:txBody>
+          <a:bodyPr vert="horz" lIns="91440" tIns="45720" rIns="91440" bIns="45720" rtlCol="0" anchor="ctr">
+            <a:normAutofit/>
+          </a:bodyPr>
+          <a:lstStyle>
+            <a:lvl1pPr algn="ctr" defTabSz="457200" rtl="0" eaLnBrk="1" latinLnBrk="0" hangingPunct="1">
+              <a:spcBef>
+                <a:spcPct val="0"/>
+              </a:spcBef>
+              <a:buNone/>
+              <a:defRPr sz="4000" kern="1200">
+                <a:ln>
+                  <a:solidFill>
+                    <a:schemeClr val="bg1">
+                      <a:lumMod val="75000"/>
+                      <a:lumOff val="25000"/>
+                      <a:alpha val="10000"/>
+                    </a:schemeClr>
+                  </a:solidFill>
+                </a:ln>
+                <a:solidFill>
+                  <a:schemeClr val="tx2"/>
+                </a:solidFill>
+                <a:effectLst>
+                  <a:outerShdw blurRad="9525" dist="25400" dir="14640000" algn="tl" rotWithShape="0">
+                    <a:schemeClr val="bg1">
+                      <a:alpha val="30000"/>
+                    </a:schemeClr>
+                  </a:outerShdw>
+                </a:effectLst>
+                <a:latin typeface="+mj-lt"/>
+                <a:ea typeface="+mj-ea"/>
+                <a:cs typeface="Trebuchet MS"/>
+              </a:defRPr>
+            </a:lvl1pPr>
+            <a:lvl2pPr eaLnBrk="1" hangingPunct="1">
+              <a:defRPr>
+                <a:solidFill>
+                  <a:schemeClr val="tx2"/>
+                </a:solidFill>
+              </a:defRPr>
+            </a:lvl2pPr>
+            <a:lvl3pPr eaLnBrk="1" hangingPunct="1">
+              <a:defRPr>
+                <a:solidFill>
+                  <a:schemeClr val="tx2"/>
+                </a:solidFill>
+              </a:defRPr>
+            </a:lvl3pPr>
+            <a:lvl4pPr eaLnBrk="1" hangingPunct="1">
+              <a:defRPr>
+                <a:solidFill>
+                  <a:schemeClr val="tx2"/>
+                </a:solidFill>
+              </a:defRPr>
+            </a:lvl4pPr>
+            <a:lvl5pPr eaLnBrk="1" hangingPunct="1">
+              <a:defRPr>
+                <a:solidFill>
+                  <a:schemeClr val="tx2"/>
+                </a:solidFill>
+              </a:defRPr>
+            </a:lvl5pPr>
+            <a:lvl6pPr eaLnBrk="1" hangingPunct="1">
+              <a:defRPr>
+                <a:solidFill>
+                  <a:schemeClr val="tx2"/>
+                </a:solidFill>
+              </a:defRPr>
+            </a:lvl6pPr>
+            <a:lvl7pPr eaLnBrk="1" hangingPunct="1">
+              <a:defRPr>
+                <a:solidFill>
+                  <a:schemeClr val="tx2"/>
+                </a:solidFill>
+              </a:defRPr>
+            </a:lvl7pPr>
+            <a:lvl8pPr eaLnBrk="1" hangingPunct="1">
+              <a:defRPr>
+                <a:solidFill>
+                  <a:schemeClr val="tx2"/>
+                </a:solidFill>
+              </a:defRPr>
+            </a:lvl8pPr>
+            <a:lvl9pPr eaLnBrk="1" hangingPunct="1">
+              <a:defRPr>
+                <a:solidFill>
+                  <a:schemeClr val="tx2"/>
+                </a:solidFill>
+              </a:defRPr>
+            </a:lvl9pPr>
+          </a:lstStyle>
+          <a:p>
+            <a:pPr algn="l"/>
+            <a:r>
+              <a:rPr lang="en-US" sz="3600" dirty="0"/>
+              <a:t>Employer view</a:t>
+            </a:r>
+          </a:p>
+        </p:txBody>
+      </p:sp>
     </p:spTree>
     <p:extLst>
       <p:ext uri="{BB962C8B-B14F-4D97-AF65-F5344CB8AC3E}">
-        <p14:creationId xmlns:p14="http://schemas.microsoft.com/office/powerpoint/2010/main" val="2065165077"/>
+        <p14:creationId xmlns:p14="http://schemas.microsoft.com/office/powerpoint/2010/main" val="2068618111"/>
       </p:ext>
     </p:extLst>
   </p:cSld>
@@ -7236,7 +6890,7 @@
         </p:nvSpPr>
         <p:spPr>
           <a:xfrm>
-            <a:off x="913795" y="609600"/>
+            <a:off x="888628" y="169178"/>
             <a:ext cx="10353762" cy="970450"/>
           </a:xfrm>
         </p:spPr>
@@ -7252,19 +6906,19 @@
               </a:lnSpc>
             </a:pPr>
             <a:r>
-              <a:rPr lang="en-US" sz="3100" b="1" i="0">
+              <a:rPr lang="en-US" sz="3100" b="1" i="0" dirty="0">
                 <a:effectLst/>
                 <a:latin typeface="-apple-system"/>
               </a:rPr>
               <a:t>Architecture &amp; Design Patterns</a:t>
             </a:r>
             <a:br>
-              <a:rPr lang="en-US" sz="3100" b="1" i="0">
+              <a:rPr lang="en-US" sz="3100" b="1" i="0" dirty="0">
                 <a:effectLst/>
                 <a:latin typeface="-apple-system"/>
               </a:rPr>
             </a:br>
-            <a:endParaRPr lang="en-US" sz="3100"/>
+            <a:endParaRPr lang="en-US" sz="3100" dirty="0"/>
           </a:p>
         </p:txBody>
       </p:sp>
@@ -7284,14 +6938,14 @@
             <p:ph idx="1"/>
             <p:extLst>
               <p:ext uri="{D42A27DB-BD31-4B8C-83A1-F6EECF244321}">
-                <p14:modId xmlns:p14="http://schemas.microsoft.com/office/powerpoint/2010/main" val="3748634276"/>
+                <p14:modId xmlns:p14="http://schemas.microsoft.com/office/powerpoint/2010/main" val="2942126737"/>
               </p:ext>
             </p:extLst>
           </p:nvPr>
         </p:nvGraphicFramePr>
         <p:xfrm>
-          <a:off x="304800" y="1320800"/>
-          <a:ext cx="11658600" cy="5163436"/>
+          <a:off x="304800" y="809072"/>
+          <a:ext cx="11658600" cy="5687000"/>
         </p:xfrm>
         <a:graphic>
           <a:graphicData uri="http://schemas.openxmlformats.org/drawingml/2006/table">
@@ -8051,15 +7705,7 @@
                     <a:p>
                       <a:r>
                         <a:rPr lang="en-US" sz="1100" dirty="0"/>
-                        <a:t>• Applied/</a:t>
-                      </a:r>
-                      <a:r>
-                        <a:rPr lang="en-US" sz="1100" dirty="0" err="1"/>
-                        <a:t>InReview</a:t>
-                      </a:r>
-                      <a:r>
-                        <a:rPr lang="en-US" sz="1100" dirty="0"/>
-                        <a:t>/Hired/Rejected/Withdrawn states</a:t>
+                        <a:t>• Applied/Hired/Rejected/Withdrawn states</a:t>
                       </a:r>
                     </a:p>
                   </a:txBody>
@@ -8383,6 +8029,9 @@
                         <a:t>Abstracts data access logic, providing clean separation between domain and data layers</a:t>
                       </a:r>
                     </a:p>
+                    <a:p>
+                      <a:endParaRPr lang="en-US" sz="1100" dirty="0"/>
+                    </a:p>
                   </a:txBody>
                   <a:tcPr marL="3111" marR="3111" marT="1556" marB="1556" anchor="ctr">
                     <a:lnL>
@@ -8403,6 +8052,121 @@
                 <a:extLst>
                   <a:ext uri="{0D108BD9-81ED-4DB2-BD59-A6C34878D82A}">
                     <a16:rowId xmlns:a16="http://schemas.microsoft.com/office/drawing/2014/main" val="1703590323"/>
+                  </a:ext>
+                </a:extLst>
+              </a:tr>
+              <a:tr h="523564">
+                <a:tc>
+                  <a:txBody>
+                    <a:bodyPr/>
+                    <a:lstStyle/>
+                    <a:p>
+                      <a:r>
+                        <a:rPr lang="en-US" sz="1100" b="1" dirty="0"/>
+                        <a:t>Template Pattern</a:t>
+                      </a:r>
+                    </a:p>
+                  </a:txBody>
+                  <a:tcPr marL="3111" marR="3111" marT="1556" marB="1556" anchor="ctr">
+                    <a:lnL>
+                      <a:noFill/>
+                    </a:lnL>
+                    <a:lnR>
+                      <a:noFill/>
+                    </a:lnR>
+                    <a:lnT>
+                      <a:noFill/>
+                    </a:lnT>
+                    <a:lnB>
+                      <a:noFill/>
+                    </a:lnB>
+                    <a:noFill/>
+                  </a:tcPr>
+                </a:tc>
+                <a:tc>
+                  <a:txBody>
+                    <a:bodyPr/>
+                    <a:lstStyle/>
+                    <a:p>
+                      <a:pPr marL="171450" indent="-171450">
+                        <a:buFont typeface="Arial" panose="020B0604020202020204" pitchFamily="34" charset="0"/>
+                        <a:buChar char="•"/>
+                      </a:pPr>
+                      <a:r>
+                        <a:rPr lang="en-US" sz="1100" dirty="0" err="1"/>
+                        <a:t>JobSeekerController</a:t>
+                      </a:r>
+                      <a:endParaRPr lang="en-US" sz="1100" dirty="0"/>
+                    </a:p>
+                    <a:p>
+                      <a:pPr marL="171450" indent="-171450">
+                        <a:buFont typeface="Arial" panose="020B0604020202020204" pitchFamily="34" charset="0"/>
+                        <a:buChar char="•"/>
+                      </a:pPr>
+                      <a:r>
+                        <a:rPr lang="en-US" sz="1100" dirty="0" err="1"/>
+                        <a:t>ProfileController</a:t>
+                      </a:r>
+                      <a:endParaRPr lang="en-US" sz="1100" dirty="0"/>
+                    </a:p>
+                    <a:p>
+                      <a:pPr marL="171450" indent="-171450">
+                        <a:buFont typeface="Arial" panose="020B0604020202020204" pitchFamily="34" charset="0"/>
+                        <a:buChar char="•"/>
+                      </a:pPr>
+                      <a:r>
+                        <a:rPr lang="en-US" sz="1100" dirty="0" err="1"/>
+                        <a:t>JobSeekerProfileTemplate</a:t>
+                      </a:r>
+                      <a:endParaRPr lang="en-US" sz="1100" dirty="0"/>
+                    </a:p>
+                  </a:txBody>
+                  <a:tcPr marL="3111" marR="3111" marT="1556" marB="1556" anchor="ctr">
+                    <a:lnL>
+                      <a:noFill/>
+                    </a:lnL>
+                    <a:lnR>
+                      <a:noFill/>
+                    </a:lnR>
+                    <a:lnT>
+                      <a:noFill/>
+                    </a:lnT>
+                    <a:lnB>
+                      <a:noFill/>
+                    </a:lnB>
+                    <a:noFill/>
+                  </a:tcPr>
+                </a:tc>
+                <a:tc>
+                  <a:txBody>
+                    <a:bodyPr/>
+                    <a:lstStyle/>
+                    <a:p>
+                      <a:r>
+                        <a:rPr lang="en-US" sz="1100" dirty="0"/>
+                        <a:t>Skeleton structure for all Profile based operations for Job Seekers – allows to view and modify the profile</a:t>
+                      </a:r>
+                    </a:p>
+                  </a:txBody>
+                  <a:tcPr marL="3111" marR="3111" marT="1556" marB="1556" anchor="ctr">
+                    <a:lnL>
+                      <a:noFill/>
+                    </a:lnL>
+                    <a:lnR>
+                      <a:noFill/>
+                    </a:lnR>
+                    <a:lnT>
+                      <a:noFill/>
+                    </a:lnT>
+                    <a:lnB>
+                      <a:noFill/>
+                    </a:lnB>
+                    <a:noFill/>
+                  </a:tcPr>
+                </a:tc>
+                <a:extLst>
+                  <a:ext uri="{0D108BD9-81ED-4DB2-BD59-A6C34878D82A}">
+                    <a16:rowId xmlns:a16="http://schemas.microsoft.com/office/drawing/2014/main" val="1327798002"/>
                   </a:ext>
                 </a:extLst>
               </a:tr>
@@ -8486,8 +8250,8 @@
         </p:nvSpPr>
         <p:spPr>
           <a:xfrm>
-            <a:off x="913795" y="1827699"/>
-            <a:ext cx="10353762" cy="4058751"/>
+            <a:off x="2071475" y="1727031"/>
+            <a:ext cx="8301511" cy="4058751"/>
           </a:xfrm>
         </p:spPr>
         <p:txBody>
@@ -8506,7 +8270,7 @@
           <a:p>
             <a:r>
               <a:rPr lang="en-US" dirty="0"/>
-              <a:t>Nilraj - Job post create, read, update, delete  service</a:t>
+              <a:t>Nilraj - Job post create, read, update, delete  service and profile section</a:t>
             </a:r>
             <a:br>
               <a:rPr lang="en-US" dirty="0"/>
@@ -8516,7 +8280,7 @@
           <a:p>
             <a:r>
               <a:rPr lang="en-US" dirty="0"/>
-              <a:t>Aniruddh - login, sign up sign in, dashboard , landing page </a:t>
+              <a:t>Anirudh - login, sign up sign in, dashboard , landing page </a:t>
             </a:r>
             <a:r>
               <a:rPr lang="en-US" dirty="0" err="1"/>
